--- a/slides/planejamento-implementação-db-sgh.pptx
+++ b/slides/planejamento-implementação-db-sgh.pptx
@@ -16805,7 +16805,7 @@
         <p:spPr>
           <a:xfrm>
             <a:off x="1005348" y="1095033"/>
-            <a:ext cx="7688769" cy="1246495"/>
+            <a:ext cx="7688769" cy="1015663"/>
           </a:xfrm>
           <a:prstGeom prst="rect">
             <a:avLst/>
@@ -16822,63 +16822,68 @@
               <a:buAutoNum type="arabicParenR"/>
             </a:pPr>
             <a:r>
-              <a:rPr lang="pt-BR" sz="2500" b="1" dirty="0">
+              <a:rPr lang="pt-BR" sz="2000" dirty="0">
                 <a:solidFill>
                   <a:schemeClr val="tx1">
                     <a:lumMod val="85000"/>
                     <a:lumOff val="15000"/>
                   </a:schemeClr>
                 </a:solidFill>
-                <a:latin typeface="Calibri" panose="020F0502020204030204" pitchFamily="34" charset="0"/>
+                <a:latin typeface="Verdana" panose="020B0604030504040204" pitchFamily="34" charset="0"/>
+                <a:ea typeface="Verdana" panose="020B0604030504040204" pitchFamily="34" charset="0"/>
                 <a:cs typeface="Calibri" panose="020F0502020204030204" pitchFamily="34" charset="0"/>
               </a:rPr>
               <a:t>Acesse o </a:t>
             </a:r>
             <a:r>
-              <a:rPr lang="pt-BR" sz="2500" b="1" dirty="0" err="1">
+              <a:rPr lang="pt-BR" sz="2000" dirty="0" err="1">
                 <a:solidFill>
                   <a:schemeClr val="tx1">
                     <a:lumMod val="85000"/>
                     <a:lumOff val="15000"/>
                   </a:schemeClr>
                 </a:solidFill>
-                <a:latin typeface="Calibri" panose="020F0502020204030204" pitchFamily="34" charset="0"/>
+                <a:latin typeface="Verdana" panose="020B0604030504040204" pitchFamily="34" charset="0"/>
+                <a:ea typeface="Verdana" panose="020B0604030504040204" pitchFamily="34" charset="0"/>
                 <a:cs typeface="Calibri" panose="020F0502020204030204" pitchFamily="34" charset="0"/>
               </a:rPr>
               <a:t>pgAdmin</a:t>
             </a:r>
             <a:r>
-              <a:rPr lang="pt-BR" sz="2500" b="1" dirty="0">
+              <a:rPr lang="pt-BR" sz="2000" dirty="0">
                 <a:solidFill>
                   <a:schemeClr val="tx1">
                     <a:lumMod val="85000"/>
                     <a:lumOff val="15000"/>
                   </a:schemeClr>
                 </a:solidFill>
-                <a:latin typeface="Calibri" panose="020F0502020204030204" pitchFamily="34" charset="0"/>
+                <a:latin typeface="Verdana" panose="020B0604030504040204" pitchFamily="34" charset="0"/>
+                <a:ea typeface="Verdana" panose="020B0604030504040204" pitchFamily="34" charset="0"/>
                 <a:cs typeface="Calibri" panose="020F0502020204030204" pitchFamily="34" charset="0"/>
               </a:rPr>
               <a:t> e crie a base de dados </a:t>
             </a:r>
             <a:r>
-              <a:rPr lang="pt-BR" sz="2500" b="1" dirty="0" err="1">
+              <a:rPr lang="pt-BR" sz="2000" dirty="0" err="1">
                 <a:solidFill>
                   <a:schemeClr val="accent5">
                     <a:lumMod val="75000"/>
                   </a:schemeClr>
                 </a:solidFill>
-                <a:latin typeface="Calibri" panose="020F0502020204030204" pitchFamily="34" charset="0"/>
+                <a:latin typeface="Verdana" panose="020B0604030504040204" pitchFamily="34" charset="0"/>
+                <a:ea typeface="Verdana" panose="020B0604030504040204" pitchFamily="34" charset="0"/>
                 <a:cs typeface="Calibri" panose="020F0502020204030204" pitchFamily="34" charset="0"/>
               </a:rPr>
               <a:t>sgh</a:t>
             </a:r>
-            <a:endParaRPr lang="pt-BR" sz="2500" b="1" dirty="0">
+            <a:endParaRPr lang="pt-BR" sz="2000" dirty="0">
               <a:solidFill>
                 <a:schemeClr val="accent5">
                   <a:lumMod val="75000"/>
                 </a:schemeClr>
               </a:solidFill>
-              <a:latin typeface="Calibri" panose="020F0502020204030204" pitchFamily="34" charset="0"/>
+              <a:latin typeface="Verdana" panose="020B0604030504040204" pitchFamily="34" charset="0"/>
+              <a:ea typeface="Verdana" panose="020B0604030504040204" pitchFamily="34" charset="0"/>
               <a:cs typeface="Calibri" panose="020F0502020204030204" pitchFamily="34" charset="0"/>
             </a:endParaRPr>
           </a:p>
@@ -16886,13 +16891,14 @@
             <a:pPr marL="457200" indent="-457200" algn="just">
               <a:buAutoNum type="arabicParenR"/>
             </a:pPr>
-            <a:endParaRPr lang="pt-BR" sz="2500" b="1" dirty="0">
+            <a:endParaRPr lang="pt-BR" sz="2000" dirty="0">
               <a:solidFill>
                 <a:schemeClr val="accent5">
                   <a:lumMod val="75000"/>
                 </a:schemeClr>
               </a:solidFill>
-              <a:latin typeface="Calibri" panose="020F0502020204030204" pitchFamily="34" charset="0"/>
+              <a:latin typeface="Verdana" panose="020B0604030504040204" pitchFamily="34" charset="0"/>
+              <a:ea typeface="Verdana" panose="020B0604030504040204" pitchFamily="34" charset="0"/>
               <a:cs typeface="Calibri" panose="020F0502020204030204" pitchFamily="34" charset="0"/>
             </a:endParaRPr>
           </a:p>
@@ -16901,110 +16907,119 @@
               <a:buAutoNum type="arabicParenR"/>
             </a:pPr>
             <a:r>
-              <a:rPr lang="pt-BR" sz="2500" b="1" dirty="0">
+              <a:rPr lang="pt-BR" sz="2000" dirty="0">
                 <a:solidFill>
                   <a:schemeClr val="tx1">
                     <a:lumMod val="85000"/>
                     <a:lumOff val="15000"/>
                   </a:schemeClr>
                 </a:solidFill>
-                <a:latin typeface="Calibri" panose="020F0502020204030204" pitchFamily="34" charset="0"/>
+                <a:latin typeface="Verdana" panose="020B0604030504040204" pitchFamily="34" charset="0"/>
+                <a:ea typeface="Verdana" panose="020B0604030504040204" pitchFamily="34" charset="0"/>
                 <a:cs typeface="Calibri" panose="020F0502020204030204" pitchFamily="34" charset="0"/>
               </a:rPr>
               <a:t>Crie as tabelas </a:t>
             </a:r>
             <a:r>
-              <a:rPr lang="pt-BR" sz="2500" b="1" dirty="0" err="1">
+              <a:rPr lang="pt-BR" sz="2000" dirty="0" err="1">
                 <a:solidFill>
                   <a:schemeClr val="accent5">
                     <a:lumMod val="75000"/>
                   </a:schemeClr>
                 </a:solidFill>
-                <a:latin typeface="Calibri" panose="020F0502020204030204" pitchFamily="34" charset="0"/>
+                <a:latin typeface="Verdana" panose="020B0604030504040204" pitchFamily="34" charset="0"/>
+                <a:ea typeface="Verdana" panose="020B0604030504040204" pitchFamily="34" charset="0"/>
                 <a:cs typeface="Calibri" panose="020F0502020204030204" pitchFamily="34" charset="0"/>
               </a:rPr>
               <a:t>guest</a:t>
             </a:r>
             <a:r>
-              <a:rPr lang="pt-BR" sz="2500" b="1" dirty="0">
+              <a:rPr lang="pt-BR" sz="2000" dirty="0">
                 <a:solidFill>
                   <a:schemeClr val="accent5">
                     <a:lumMod val="75000"/>
                   </a:schemeClr>
                 </a:solidFill>
-                <a:latin typeface="Calibri" panose="020F0502020204030204" pitchFamily="34" charset="0"/>
+                <a:latin typeface="Verdana" panose="020B0604030504040204" pitchFamily="34" charset="0"/>
+                <a:ea typeface="Verdana" panose="020B0604030504040204" pitchFamily="34" charset="0"/>
                 <a:cs typeface="Calibri" panose="020F0502020204030204" pitchFamily="34" charset="0"/>
               </a:rPr>
               <a:t>, </a:t>
             </a:r>
             <a:r>
-              <a:rPr lang="pt-BR" sz="2500" b="1" dirty="0" err="1">
+              <a:rPr lang="pt-BR" sz="2000" dirty="0" err="1">
                 <a:solidFill>
                   <a:schemeClr val="accent5">
                     <a:lumMod val="75000"/>
                   </a:schemeClr>
                 </a:solidFill>
-                <a:latin typeface="Calibri" panose="020F0502020204030204" pitchFamily="34" charset="0"/>
+                <a:latin typeface="Verdana" panose="020B0604030504040204" pitchFamily="34" charset="0"/>
+                <a:ea typeface="Verdana" panose="020B0604030504040204" pitchFamily="34" charset="0"/>
                 <a:cs typeface="Calibri" panose="020F0502020204030204" pitchFamily="34" charset="0"/>
               </a:rPr>
               <a:t>room</a:t>
             </a:r>
             <a:r>
-              <a:rPr lang="pt-BR" sz="2500" b="1" dirty="0">
+              <a:rPr lang="pt-BR" sz="2000" dirty="0">
                 <a:solidFill>
                   <a:schemeClr val="accent5">
                     <a:lumMod val="75000"/>
                   </a:schemeClr>
                 </a:solidFill>
-                <a:latin typeface="Calibri" panose="020F0502020204030204" pitchFamily="34" charset="0"/>
+                <a:latin typeface="Verdana" panose="020B0604030504040204" pitchFamily="34" charset="0"/>
+                <a:ea typeface="Verdana" panose="020B0604030504040204" pitchFamily="34" charset="0"/>
                 <a:cs typeface="Calibri" panose="020F0502020204030204" pitchFamily="34" charset="0"/>
               </a:rPr>
               <a:t>, </a:t>
             </a:r>
             <a:r>
-              <a:rPr lang="pt-BR" sz="2500" b="1" dirty="0" err="1">
+              <a:rPr lang="pt-BR" sz="2000" dirty="0" err="1">
                 <a:solidFill>
                   <a:schemeClr val="accent5">
                     <a:lumMod val="75000"/>
                   </a:schemeClr>
                 </a:solidFill>
-                <a:latin typeface="Calibri" panose="020F0502020204030204" pitchFamily="34" charset="0"/>
+                <a:latin typeface="Verdana" panose="020B0604030504040204" pitchFamily="34" charset="0"/>
+                <a:ea typeface="Verdana" panose="020B0604030504040204" pitchFamily="34" charset="0"/>
                 <a:cs typeface="Calibri" panose="020F0502020204030204" pitchFamily="34" charset="0"/>
               </a:rPr>
               <a:t>product</a:t>
             </a:r>
             <a:r>
-              <a:rPr lang="pt-BR" sz="2500" b="1" dirty="0">
+              <a:rPr lang="pt-BR" sz="2000" dirty="0">
                 <a:solidFill>
                   <a:schemeClr val="accent5">
                     <a:lumMod val="75000"/>
                   </a:schemeClr>
                 </a:solidFill>
-                <a:latin typeface="Calibri" panose="020F0502020204030204" pitchFamily="34" charset="0"/>
+                <a:latin typeface="Verdana" panose="020B0604030504040204" pitchFamily="34" charset="0"/>
+                <a:ea typeface="Verdana" panose="020B0604030504040204" pitchFamily="34" charset="0"/>
                 <a:cs typeface="Calibri" panose="020F0502020204030204" pitchFamily="34" charset="0"/>
               </a:rPr>
               <a:t> e </a:t>
             </a:r>
             <a:r>
-              <a:rPr lang="pt-BR" sz="2500" b="1" dirty="0" err="1">
+              <a:rPr lang="pt-BR" sz="2000" dirty="0" err="1">
                 <a:solidFill>
                   <a:schemeClr val="accent5">
                     <a:lumMod val="75000"/>
                   </a:schemeClr>
                 </a:solidFill>
-                <a:latin typeface="Calibri" panose="020F0502020204030204" pitchFamily="34" charset="0"/>
+                <a:latin typeface="Verdana" panose="020B0604030504040204" pitchFamily="34" charset="0"/>
+                <a:ea typeface="Verdana" panose="020B0604030504040204" pitchFamily="34" charset="0"/>
                 <a:cs typeface="Calibri" panose="020F0502020204030204" pitchFamily="34" charset="0"/>
               </a:rPr>
               <a:t>room_product</a:t>
             </a:r>
             <a:r>
-              <a:rPr lang="pt-BR" sz="2500" b="1" dirty="0">
+              <a:rPr lang="pt-BR" sz="2000" dirty="0">
                 <a:solidFill>
                   <a:schemeClr val="accent5">
                     <a:lumMod val="75000"/>
                   </a:schemeClr>
                 </a:solidFill>
-                <a:latin typeface="Calibri" panose="020F0502020204030204" pitchFamily="34" charset="0"/>
+                <a:latin typeface="Verdana" panose="020B0604030504040204" pitchFamily="34" charset="0"/>
+                <a:ea typeface="Verdana" panose="020B0604030504040204" pitchFamily="34" charset="0"/>
                 <a:cs typeface="Calibri" panose="020F0502020204030204" pitchFamily="34" charset="0"/>
               </a:rPr>
               <a:t>  </a:t>
@@ -17330,7 +17345,7 @@
         <p:spPr>
           <a:xfrm>
             <a:off x="1005348" y="1161293"/>
-            <a:ext cx="7688769" cy="861774"/>
+            <a:ext cx="7688769" cy="1323439"/>
           </a:xfrm>
           <a:prstGeom prst="rect">
             <a:avLst/>
@@ -17345,77 +17360,153 @@
           <a:p>
             <a:pPr algn="just"/>
             <a:r>
-              <a:rPr lang="pt-BR" sz="2500" b="1" dirty="0">
+              <a:rPr lang="pt-BR" sz="2000" dirty="0">
                 <a:solidFill>
                   <a:schemeClr val="tx1">
                     <a:lumMod val="85000"/>
                     <a:lumOff val="15000"/>
                   </a:schemeClr>
                 </a:solidFill>
-                <a:latin typeface="Calibri" panose="020F0502020204030204" pitchFamily="34" charset="0"/>
+                <a:latin typeface="Verdana" panose="020B0604030504040204" pitchFamily="34" charset="0"/>
+                <a:ea typeface="Verdana" panose="020B0604030504040204" pitchFamily="34" charset="0"/>
                 <a:cs typeface="Calibri" panose="020F0502020204030204" pitchFamily="34" charset="0"/>
               </a:rPr>
               <a:t>3) Utilize o </a:t>
             </a:r>
             <a:r>
-              <a:rPr lang="pt-BR" sz="2500" dirty="0" err="1">
+              <a:rPr lang="pt-BR" sz="2000" b="1" dirty="0" err="1">
                 <a:solidFill>
                   <a:schemeClr val="tx1">
                     <a:lumMod val="85000"/>
                     <a:lumOff val="15000"/>
                   </a:schemeClr>
                 </a:solidFill>
-                <a:latin typeface="Calibri" panose="020F0502020204030204" pitchFamily="34" charset="0"/>
+                <a:latin typeface="Verdana" panose="020B0604030504040204" pitchFamily="34" charset="0"/>
+                <a:ea typeface="Verdana" panose="020B0604030504040204" pitchFamily="34" charset="0"/>
                 <a:cs typeface="Calibri" panose="020F0502020204030204" pitchFamily="34" charset="0"/>
               </a:rPr>
               <a:t>sgh</a:t>
             </a:r>
             <a:r>
-              <a:rPr lang="pt-BR" sz="2500" dirty="0">
+              <a:rPr lang="pt-BR" sz="2000" b="1" dirty="0">
                 <a:solidFill>
                   <a:schemeClr val="tx1">
                     <a:lumMod val="85000"/>
                     <a:lumOff val="15000"/>
                   </a:schemeClr>
                 </a:solidFill>
-                <a:latin typeface="Calibri" panose="020F0502020204030204" pitchFamily="34" charset="0"/>
+                <a:latin typeface="Verdana" panose="020B0604030504040204" pitchFamily="34" charset="0"/>
+                <a:ea typeface="Verdana" panose="020B0604030504040204" pitchFamily="34" charset="0"/>
                 <a:cs typeface="Calibri" panose="020F0502020204030204" pitchFamily="34" charset="0"/>
               </a:rPr>
               <a:t>-script-</a:t>
             </a:r>
             <a:r>
-              <a:rPr lang="pt-BR" sz="2500" dirty="0" err="1">
+              <a:rPr lang="pt-BR" sz="2000" b="1" dirty="0" err="1">
                 <a:solidFill>
                   <a:schemeClr val="tx1">
                     <a:lumMod val="85000"/>
                     <a:lumOff val="15000"/>
                   </a:schemeClr>
                 </a:solidFill>
-                <a:latin typeface="Calibri" panose="020F0502020204030204" pitchFamily="34" charset="0"/>
+                <a:latin typeface="Verdana" panose="020B0604030504040204" pitchFamily="34" charset="0"/>
+                <a:ea typeface="Verdana" panose="020B0604030504040204" pitchFamily="34" charset="0"/>
                 <a:cs typeface="Calibri" panose="020F0502020204030204" pitchFamily="34" charset="0"/>
               </a:rPr>
               <a:t>dml.sql</a:t>
             </a:r>
             <a:r>
-              <a:rPr lang="pt-BR" sz="2500" b="1" dirty="0">
+              <a:rPr lang="pt-BR" sz="2000" b="1" dirty="0">
                 <a:solidFill>
                   <a:schemeClr val="tx1">
                     <a:lumMod val="85000"/>
                     <a:lumOff val="15000"/>
                   </a:schemeClr>
                 </a:solidFill>
-                <a:latin typeface="Calibri" panose="020F0502020204030204" pitchFamily="34" charset="0"/>
+                <a:latin typeface="Verdana" panose="020B0604030504040204" pitchFamily="34" charset="0"/>
+                <a:ea typeface="Verdana" panose="020B0604030504040204" pitchFamily="34" charset="0"/>
                 <a:cs typeface="Calibri" panose="020F0502020204030204" pitchFamily="34" charset="0"/>
               </a:rPr>
-              <a:t> para testes de manipulação dos dados, como inserção, atualização e busca de dados</a:t>
+              <a:t> </a:t>
             </a:r>
-            <a:endParaRPr lang="pt-BR" sz="2500" b="1" dirty="0">
+            <a:r>
+              <a:rPr lang="pt-BR" sz="2000" dirty="0">
+                <a:solidFill>
+                  <a:schemeClr val="tx1">
+                    <a:lumMod val="85000"/>
+                    <a:lumOff val="15000"/>
+                  </a:schemeClr>
+                </a:solidFill>
+                <a:latin typeface="Verdana" panose="020B0604030504040204" pitchFamily="34" charset="0"/>
+                <a:ea typeface="Verdana" panose="020B0604030504040204" pitchFamily="34" charset="0"/>
+                <a:cs typeface="Calibri" panose="020F0502020204030204" pitchFamily="34" charset="0"/>
+              </a:rPr>
+              <a:t>disponível na pasta scripts do projeto </a:t>
+            </a:r>
+            <a:r>
+              <a:rPr lang="pt-BR" sz="2000" dirty="0" err="1">
+                <a:solidFill>
+                  <a:schemeClr val="tx1">
+                    <a:lumMod val="85000"/>
+                    <a:lumOff val="15000"/>
+                  </a:schemeClr>
+                </a:solidFill>
+                <a:latin typeface="Verdana" panose="020B0604030504040204" pitchFamily="34" charset="0"/>
+                <a:ea typeface="Verdana" panose="020B0604030504040204" pitchFamily="34" charset="0"/>
+                <a:cs typeface="Calibri" panose="020F0502020204030204" pitchFamily="34" charset="0"/>
+              </a:rPr>
+              <a:t>sgh</a:t>
+            </a:r>
+            <a:r>
+              <a:rPr lang="pt-BR" sz="2000" dirty="0">
+                <a:solidFill>
+                  <a:schemeClr val="tx1">
+                    <a:lumMod val="85000"/>
+                    <a:lumOff val="15000"/>
+                  </a:schemeClr>
+                </a:solidFill>
+                <a:latin typeface="Verdana" panose="020B0604030504040204" pitchFamily="34" charset="0"/>
+                <a:ea typeface="Verdana" panose="020B0604030504040204" pitchFamily="34" charset="0"/>
+                <a:cs typeface="Calibri" panose="020F0502020204030204" pitchFamily="34" charset="0"/>
+              </a:rPr>
+              <a:t> no </a:t>
+            </a:r>
+            <a:r>
+              <a:rPr lang="pt-BR" sz="2000" dirty="0" err="1">
+                <a:solidFill>
+                  <a:schemeClr val="tx1">
+                    <a:lumMod val="85000"/>
+                    <a:lumOff val="15000"/>
+                  </a:schemeClr>
+                </a:solidFill>
+                <a:latin typeface="Verdana" panose="020B0604030504040204" pitchFamily="34" charset="0"/>
+                <a:ea typeface="Verdana" panose="020B0604030504040204" pitchFamily="34" charset="0"/>
+                <a:cs typeface="Calibri" panose="020F0502020204030204" pitchFamily="34" charset="0"/>
+              </a:rPr>
+              <a:t>github</a:t>
+            </a:r>
+            <a:r>
+              <a:rPr lang="pt-BR" sz="2000" dirty="0">
+                <a:solidFill>
+                  <a:schemeClr val="tx1">
+                    <a:lumMod val="85000"/>
+                    <a:lumOff val="15000"/>
+                  </a:schemeClr>
+                </a:solidFill>
+                <a:latin typeface="Verdana" panose="020B0604030504040204" pitchFamily="34" charset="0"/>
+                <a:ea typeface="Verdana" panose="020B0604030504040204" pitchFamily="34" charset="0"/>
+                <a:cs typeface="Calibri" panose="020F0502020204030204" pitchFamily="34" charset="0"/>
+              </a:rPr>
+              <a:t> para testes de manipulação dos dados, como inserção, atualização e busca</a:t>
+            </a:r>
+            <a:endParaRPr lang="pt-BR" sz="2000" dirty="0">
               <a:solidFill>
                 <a:schemeClr val="accent5">
                   <a:lumMod val="75000"/>
                 </a:schemeClr>
               </a:solidFill>
-              <a:latin typeface="Calibri" panose="020F0502020204030204" pitchFamily="34" charset="0"/>
+              <a:latin typeface="Verdana" panose="020B0604030504040204" pitchFamily="34" charset="0"/>
+              <a:ea typeface="Verdana" panose="020B0604030504040204" pitchFamily="34" charset="0"/>
               <a:cs typeface="Calibri" panose="020F0502020204030204" pitchFamily="34" charset="0"/>
             </a:endParaRPr>
           </a:p>
